--- a/Materials/Memory.pptx
+++ b/Materials/Memory.pptx
@@ -3430,50 +3430,191 @@
         <p:txBody>
           <a:bodyPr wrap="square" rtlCol="0" anchor="t">
             <a:spAutoFit/>
-            <a:scene3d>
-              <a:camera prst="orthographicFront"/>
-              <a:lightRig rig="soft" dir="t">
-                <a:rot lat="0" lon="0" rev="15600000"/>
-              </a:lightRig>
-            </a:scene3d>
-            <a:sp3d extrusionH="57150" prstMaterial="softEdge">
-              <a:bevelT w="25400" h="38100"/>
-            </a:sp3d>
           </a:bodyPr>
           <a:p>
             <a:pPr algn="ctr"/>
             <a:r>
               <a:rPr lang="en-US" altLang="zh-CN" sz="7200" b="1">
-                <a:solidFill>
-                  <a:schemeClr val="accent4"/>
-                </a:solidFill>
-                <a:effectLst/>
-              </a:rPr>
-              <a:t>Competitive programming questions</a:t>
+                <a:ln w="12700">
+                  <a:solidFill>
+                    <a:schemeClr val="tx2">
+                      <a:lumMod val="75000"/>
+                    </a:schemeClr>
+                  </a:solidFill>
+                  <a:prstDash val="solid"/>
+                </a:ln>
+                <a:pattFill prst="dkUpDiag">
+                  <a:fgClr>
+                    <a:schemeClr val="tx2"/>
+                  </a:fgClr>
+                  <a:bgClr>
+                    <a:schemeClr val="tx2">
+                      <a:lumMod val="20000"/>
+                      <a:lumOff val="80000"/>
+                    </a:schemeClr>
+                  </a:bgClr>
+                </a:pattFill>
+                <a:effectLst>
+                  <a:outerShdw dist="38100" dir="2640000" algn="bl" rotWithShape="0">
+                    <a:schemeClr val="tx2">
+                      <a:lumMod val="75000"/>
+                    </a:schemeClr>
+                  </a:outerShdw>
+                </a:effectLst>
+              </a:rPr>
+              <a:t>Competitive</a:t>
             </a:r>
             <a:endParaRPr lang="en-US" altLang="zh-CN" sz="7200" b="1">
-              <a:solidFill>
-                <a:schemeClr val="accent4"/>
-              </a:solidFill>
-              <a:effectLst/>
+              <a:ln w="12700">
+                <a:solidFill>
+                  <a:schemeClr val="tx2">
+                    <a:lumMod val="75000"/>
+                  </a:schemeClr>
+                </a:solidFill>
+                <a:prstDash val="solid"/>
+              </a:ln>
+              <a:pattFill prst="dkUpDiag">
+                <a:fgClr>
+                  <a:schemeClr val="tx2"/>
+                </a:fgClr>
+                <a:bgClr>
+                  <a:schemeClr val="tx2">
+                    <a:lumMod val="20000"/>
+                    <a:lumOff val="80000"/>
+                  </a:schemeClr>
+                </a:bgClr>
+              </a:pattFill>
+              <a:effectLst>
+                <a:outerShdw dist="38100" dir="2640000" algn="bl" rotWithShape="0">
+                  <a:schemeClr val="tx2">
+                    <a:lumMod val="75000"/>
+                  </a:schemeClr>
+                </a:outerShdw>
+              </a:effectLst>
             </a:endParaRPr>
           </a:p>
           <a:p>
             <a:pPr algn="ctr"/>
             <a:r>
               <a:rPr lang="en-US" altLang="zh-CN" sz="7200" b="1">
-                <a:solidFill>
-                  <a:schemeClr val="accent4"/>
-                </a:solidFill>
-                <a:effectLst/>
+                <a:ln w="12700">
+                  <a:solidFill>
+                    <a:schemeClr val="tx2">
+                      <a:lumMod val="75000"/>
+                    </a:schemeClr>
+                  </a:solidFill>
+                  <a:prstDash val="solid"/>
+                </a:ln>
+                <a:pattFill prst="dkUpDiag">
+                  <a:fgClr>
+                    <a:schemeClr val="tx2"/>
+                  </a:fgClr>
+                  <a:bgClr>
+                    <a:schemeClr val="tx2">
+                      <a:lumMod val="20000"/>
+                      <a:lumOff val="80000"/>
+                    </a:schemeClr>
+                  </a:bgClr>
+                </a:pattFill>
+                <a:effectLst>
+                  <a:outerShdw dist="38100" dir="2640000" algn="bl" rotWithShape="0">
+                    <a:schemeClr val="tx2">
+                      <a:lumMod val="75000"/>
+                    </a:schemeClr>
+                  </a:outerShdw>
+                </a:effectLst>
+              </a:rPr>
+              <a:t>programming questions</a:t>
+            </a:r>
+            <a:endParaRPr lang="en-US" altLang="zh-CN" sz="7200" b="1">
+              <a:ln w="12700">
+                <a:solidFill>
+                  <a:schemeClr val="tx2">
+                    <a:lumMod val="75000"/>
+                  </a:schemeClr>
+                </a:solidFill>
+                <a:prstDash val="solid"/>
+              </a:ln>
+              <a:pattFill prst="dkUpDiag">
+                <a:fgClr>
+                  <a:schemeClr val="tx2"/>
+                </a:fgClr>
+                <a:bgClr>
+                  <a:schemeClr val="tx2">
+                    <a:lumMod val="20000"/>
+                    <a:lumOff val="80000"/>
+                  </a:schemeClr>
+                </a:bgClr>
+              </a:pattFill>
+              <a:effectLst>
+                <a:outerShdw dist="38100" dir="2640000" algn="bl" rotWithShape="0">
+                  <a:schemeClr val="tx2">
+                    <a:lumMod val="75000"/>
+                  </a:schemeClr>
+                </a:outerShdw>
+              </a:effectLst>
+            </a:endParaRPr>
+          </a:p>
+          <a:p>
+            <a:pPr algn="ctr"/>
+            <a:r>
+              <a:rPr lang="en-US" altLang="zh-CN" sz="7200" b="1">
+                <a:ln w="12700">
+                  <a:solidFill>
+                    <a:schemeClr val="tx2">
+                      <a:lumMod val="75000"/>
+                    </a:schemeClr>
+                  </a:solidFill>
+                  <a:prstDash val="solid"/>
+                </a:ln>
+                <a:pattFill prst="dkUpDiag">
+                  <a:fgClr>
+                    <a:schemeClr val="tx2"/>
+                  </a:fgClr>
+                  <a:bgClr>
+                    <a:schemeClr val="tx2">
+                      <a:lumMod val="20000"/>
+                      <a:lumOff val="80000"/>
+                    </a:schemeClr>
+                  </a:bgClr>
+                </a:pattFill>
+                <a:effectLst>
+                  <a:outerShdw dist="38100" dir="2640000" algn="bl" rotWithShape="0">
+                    <a:schemeClr val="tx2">
+                      <a:lumMod val="75000"/>
+                    </a:schemeClr>
+                  </a:outerShdw>
+                </a:effectLst>
               </a:rPr>
               <a:t>and logic</a:t>
             </a:r>
             <a:endParaRPr lang="en-US" altLang="zh-CN" sz="7200" b="1">
-              <a:solidFill>
-                <a:schemeClr val="accent4"/>
-              </a:solidFill>
-              <a:effectLst/>
+              <a:ln w="12700">
+                <a:solidFill>
+                  <a:schemeClr val="tx2">
+                    <a:lumMod val="75000"/>
+                  </a:schemeClr>
+                </a:solidFill>
+                <a:prstDash val="solid"/>
+              </a:ln>
+              <a:pattFill prst="dkUpDiag">
+                <a:fgClr>
+                  <a:schemeClr val="tx2"/>
+                </a:fgClr>
+                <a:bgClr>
+                  <a:schemeClr val="tx2">
+                    <a:lumMod val="20000"/>
+                    <a:lumOff val="80000"/>
+                  </a:schemeClr>
+                </a:bgClr>
+              </a:pattFill>
+              <a:effectLst>
+                <a:outerShdw dist="38100" dir="2640000" algn="bl" rotWithShape="0">
+                  <a:schemeClr val="tx2">
+                    <a:lumMod val="75000"/>
+                  </a:schemeClr>
+                </a:outerShdw>
+              </a:effectLst>
             </a:endParaRPr>
           </a:p>
         </p:txBody>

--- a/Materials/Memory.pptx
+++ b/Materials/Memory.pptx
@@ -3435,66 +3435,34 @@
             <a:pPr algn="ctr"/>
             <a:r>
               <a:rPr lang="en-US" altLang="zh-CN" sz="7200" b="1">
-                <a:ln w="12700">
-                  <a:solidFill>
-                    <a:schemeClr val="tx2">
-                      <a:lumMod val="75000"/>
-                    </a:schemeClr>
-                  </a:solidFill>
-                  <a:prstDash val="solid"/>
-                </a:ln>
-                <a:pattFill prst="dkUpDiag">
-                  <a:fgClr>
-                    <a:schemeClr val="tx2"/>
-                  </a:fgClr>
-                  <a:bgClr>
-                    <a:schemeClr val="tx2">
-                      <a:lumMod val="20000"/>
-                      <a:lumOff val="80000"/>
-                    </a:schemeClr>
-                  </a:bgClr>
-                </a:pattFill>
-                <a:effectLst>
-                  <a:outerShdw dist="38100" dir="2640000" algn="bl" rotWithShape="0">
-                    <a:schemeClr val="tx2">
-                      <a:lumMod val="75000"/>
-                    </a:schemeClr>
-                  </a:outerShdw>
-                </a:effectLst>
+                <a:ln/>
+                <a:solidFill>
+                  <a:schemeClr val="accent4"/>
+                </a:solidFill>
+                <a:effectLst/>
               </a:rPr>
               <a:t>Competitive</a:t>
             </a:r>
             <a:endParaRPr lang="en-US" altLang="zh-CN" sz="7200" b="1">
-              <a:ln w="12700">
-                <a:solidFill>
-                  <a:schemeClr val="tx2">
-                    <a:lumMod val="75000"/>
-                  </a:schemeClr>
-                </a:solidFill>
-                <a:prstDash val="solid"/>
-              </a:ln>
-              <a:pattFill prst="dkUpDiag">
-                <a:fgClr>
-                  <a:schemeClr val="tx2"/>
-                </a:fgClr>
-                <a:bgClr>
-                  <a:schemeClr val="tx2">
-                    <a:lumMod val="20000"/>
-                    <a:lumOff val="80000"/>
-                  </a:schemeClr>
-                </a:bgClr>
-              </a:pattFill>
-              <a:effectLst>
-                <a:outerShdw dist="38100" dir="2640000" algn="bl" rotWithShape="0">
-                  <a:schemeClr val="tx2">
-                    <a:lumMod val="75000"/>
-                  </a:schemeClr>
-                </a:outerShdw>
-              </a:effectLst>
+              <a:ln/>
+              <a:solidFill>
+                <a:schemeClr val="accent4"/>
+              </a:solidFill>
+              <a:effectLst/>
             </a:endParaRPr>
           </a:p>
           <a:p>
             <a:pPr algn="ctr"/>
+            <a:r>
+              <a:rPr lang="en-US" altLang="zh-CN" sz="7200" b="1">
+                <a:ln/>
+                <a:solidFill>
+                  <a:schemeClr val="accent4"/>
+                </a:solidFill>
+                <a:effectLst/>
+              </a:rPr>
+              <a:t>programming </a:t>
+            </a:r>
             <a:r>
               <a:rPr lang="en-US" altLang="zh-CN" sz="7200" b="1">
                 <a:ln w="12700">
@@ -3524,7 +3492,7 @@
                   </a:outerShdw>
                 </a:effectLst>
               </a:rPr>
-              <a:t>programming questions</a:t>
+              <a:t>questions</a:t>
             </a:r>
             <a:endParaRPr lang="en-US" altLang="zh-CN" sz="7200" b="1">
               <a:ln w="12700">
@@ -3613,6 +3581,75 @@
                   <a:schemeClr val="tx2">
                     <a:lumMod val="75000"/>
                   </a:schemeClr>
+                </a:outerShdw>
+              </a:effectLst>
+            </a:endParaRPr>
+          </a:p>
+        </p:txBody>
+      </p:sp>
+      <p:sp>
+        <p:nvSpPr>
+          <p:cNvPr id="2" name="Rectangles 1"/>
+          <p:cNvSpPr/>
+          <p:nvPr/>
+        </p:nvSpPr>
+        <p:spPr>
+          <a:xfrm>
+            <a:off x="9603105" y="6198870"/>
+            <a:ext cx="2338705" cy="398780"/>
+          </a:xfrm>
+          <a:prstGeom prst="rect">
+            <a:avLst/>
+          </a:prstGeom>
+          <a:noFill/>
+          <a:ln>
+            <a:noFill/>
+          </a:ln>
+        </p:spPr>
+        <p:txBody>
+          <a:bodyPr wrap="square" rtlCol="0" anchor="t">
+            <a:spAutoFit/>
+          </a:bodyPr>
+          <a:p>
+            <a:pPr algn="ctr"/>
+            <a:r>
+              <a:rPr lang="en-US" altLang="zh-CN" sz="2000" b="1">
+                <a:ln w="13462">
+                  <a:solidFill>
+                    <a:schemeClr val="bg1"/>
+                  </a:solidFill>
+                  <a:prstDash val="solid"/>
+                </a:ln>
+                <a:solidFill>
+                  <a:schemeClr val="tx1">
+                    <a:lumMod val="85000"/>
+                    <a:lumOff val="15000"/>
+                  </a:schemeClr>
+                </a:solidFill>
+                <a:effectLst>
+                  <a:outerShdw dist="38100" dir="2700000" algn="bl" rotWithShape="0">
+                    <a:schemeClr val="accent5"/>
+                  </a:outerShdw>
+                </a:effectLst>
+              </a:rPr>
+              <a:t>Avinash</a:t>
+            </a:r>
+            <a:endParaRPr lang="en-US" altLang="zh-CN" sz="2000" b="1">
+              <a:ln w="13462">
+                <a:solidFill>
+                  <a:schemeClr val="bg1"/>
+                </a:solidFill>
+                <a:prstDash val="solid"/>
+              </a:ln>
+              <a:solidFill>
+                <a:schemeClr val="tx1">
+                  <a:lumMod val="85000"/>
+                  <a:lumOff val="15000"/>
+                </a:schemeClr>
+              </a:solidFill>
+              <a:effectLst>
+                <a:outerShdw dist="38100" dir="2700000" algn="bl" rotWithShape="0">
+                  <a:schemeClr val="accent5"/>
                 </a:outerShdw>
               </a:effectLst>
             </a:endParaRPr>
@@ -24970,8 +25007,8 @@
         </p:nvSpPr>
         <p:spPr>
           <a:xfrm>
-            <a:off x="6832600" y="327660"/>
-            <a:ext cx="5000625" cy="645160"/>
+            <a:off x="7089140" y="207010"/>
+            <a:ext cx="4380865" cy="2584450"/>
           </a:xfrm>
           <a:prstGeom prst="rect">
             <a:avLst/>
@@ -25016,6 +25053,211 @@
             </a:endParaRPr>
           </a:p>
           <a:p>
+            <a:r>
+              <a:rPr lang="en-US">
+                <a:solidFill>
+                  <a:schemeClr val="tx1"/>
+                </a:solidFill>
+                <a:effectLst>
+                  <a:outerShdw blurRad="38100" dist="19050" dir="2700000" algn="tl" rotWithShape="0">
+                    <a:schemeClr val="dk1">
+                      <a:alpha val="40000"/>
+                    </a:schemeClr>
+                  </a:outerShdw>
+                </a:effectLst>
+              </a:rPr>
+              <a:t>1. j%n to wrap around and use brute force.</a:t>
+            </a:r>
+            <a:endParaRPr lang="en-US">
+              <a:solidFill>
+                <a:schemeClr val="tx1"/>
+              </a:solidFill>
+              <a:effectLst>
+                <a:outerShdw blurRad="38100" dist="19050" dir="2700000" algn="tl" rotWithShape="0">
+                  <a:schemeClr val="dk1">
+                    <a:alpha val="40000"/>
+                  </a:schemeClr>
+                </a:outerShdw>
+              </a:effectLst>
+            </a:endParaRPr>
+          </a:p>
+          <a:p>
+            <a:endParaRPr lang="en-US">
+              <a:solidFill>
+                <a:schemeClr val="tx1"/>
+              </a:solidFill>
+              <a:effectLst>
+                <a:outerShdw blurRad="38100" dist="19050" dir="2700000" algn="tl" rotWithShape="0">
+                  <a:schemeClr val="dk1">
+                    <a:alpha val="40000"/>
+                  </a:schemeClr>
+                </a:outerShdw>
+              </a:effectLst>
+            </a:endParaRPr>
+          </a:p>
+          <a:p>
+            <a:r>
+              <a:rPr lang="en-US">
+                <a:solidFill>
+                  <a:schemeClr val="tx1"/>
+                </a:solidFill>
+                <a:effectLst>
+                  <a:outerShdw blurRad="38100" dist="19050" dir="2700000" algn="tl" rotWithShape="0">
+                    <a:schemeClr val="dk1">
+                      <a:alpha val="40000"/>
+                    </a:schemeClr>
+                  </a:outerShdw>
+                </a:effectLst>
+              </a:rPr>
+              <a:t>[</a:t>
+            </a:r>
+            <a:r>
+              <a:rPr lang="en-US">
+                <a:solidFill>
+                  <a:schemeClr val="accent2"/>
+                </a:solidFill>
+                <a:effectLst>
+                  <a:outerShdw blurRad="38100" dist="19050" dir="2700000" algn="tl" rotWithShape="0">
+                    <a:schemeClr val="dk1">
+                      <a:alpha val="40000"/>
+                    </a:schemeClr>
+                  </a:outerShdw>
+                </a:effectLst>
+              </a:rPr>
+              <a:t>best and optimal</a:t>
+            </a:r>
+            <a:r>
+              <a:rPr lang="en-US">
+                <a:solidFill>
+                  <a:schemeClr val="tx1"/>
+                </a:solidFill>
+                <a:effectLst>
+                  <a:outerShdw blurRad="38100" dist="19050" dir="2700000" algn="tl" rotWithShape="0">
+                    <a:schemeClr val="dk1">
+                      <a:alpha val="40000"/>
+                    </a:schemeClr>
+                  </a:outerShdw>
+                </a:effectLst>
+              </a:rPr>
+              <a:t>]</a:t>
+            </a:r>
+            <a:endParaRPr lang="en-US">
+              <a:solidFill>
+                <a:schemeClr val="tx1"/>
+              </a:solidFill>
+              <a:effectLst>
+                <a:outerShdw blurRad="38100" dist="19050" dir="2700000" algn="tl" rotWithShape="0">
+                  <a:schemeClr val="dk1">
+                    <a:alpha val="40000"/>
+                  </a:schemeClr>
+                </a:outerShdw>
+              </a:effectLst>
+            </a:endParaRPr>
+          </a:p>
+          <a:p>
+            <a:r>
+              <a:rPr lang="en-US">
+                <a:solidFill>
+                  <a:schemeClr val="tx1"/>
+                </a:solidFill>
+                <a:effectLst>
+                  <a:outerShdw blurRad="38100" dist="19050" dir="2700000" algn="tl" rotWithShape="0">
+                    <a:schemeClr val="dk1">
+                      <a:alpha val="40000"/>
+                    </a:schemeClr>
+                  </a:outerShdw>
+                </a:effectLst>
+              </a:rPr>
+              <a:t>2. i: 0 -&gt;2n: [as </a:t>
+            </a:r>
+            <a:r>
+              <a:rPr lang="en-US">
+                <a:solidFill>
+                  <a:schemeClr val="tx1"/>
+                </a:solidFill>
+                <a:effectLst>
+                  <a:outerShdw blurRad="38100" dist="38100" dir="2700000" algn="tl">
+                    <a:srgbClr val="000000">
+                      <a:alpha val="43137"/>
+                    </a:srgbClr>
+                  </a:outerShdw>
+                </a:effectLst>
+              </a:rPr>
+              <a:t>wrap </a:t>
+            </a:r>
+            <a:r>
+              <a:rPr lang="en-US">
+                <a:solidFill>
+                  <a:schemeClr val="tx1"/>
+                </a:solidFill>
+                <a:effectLst>
+                  <a:outerShdw blurRad="38100" dist="19050" dir="2700000" algn="tl" rotWithShape="0">
+                    <a:schemeClr val="dk1">
+                      <a:alpha val="40000"/>
+                    </a:schemeClr>
+                  </a:outerShdw>
+                </a:effectLst>
+              </a:rPr>
+              <a:t>around won't work]</a:t>
+            </a:r>
+            <a:endParaRPr lang="en-US">
+              <a:solidFill>
+                <a:schemeClr val="tx1"/>
+              </a:solidFill>
+              <a:effectLst>
+                <a:outerShdw blurRad="38100" dist="19050" dir="2700000" algn="tl" rotWithShape="0">
+                  <a:schemeClr val="dk1">
+                    <a:alpha val="40000"/>
+                  </a:schemeClr>
+                </a:outerShdw>
+              </a:effectLst>
+            </a:endParaRPr>
+          </a:p>
+          <a:p>
+            <a:r>
+              <a:rPr lang="en-US">
+                <a:solidFill>
+                  <a:schemeClr val="tx1"/>
+                </a:solidFill>
+                <a:effectLst>
+                  <a:outerShdw blurRad="38100" dist="19050" dir="2700000" algn="tl" rotWithShape="0">
+                    <a:schemeClr val="dk1">
+                      <a:alpha val="40000"/>
+                    </a:schemeClr>
+                  </a:outerShdw>
+                </a:effectLst>
+              </a:rPr>
+              <a:t>     traverse and push index in stack if a[top] is greater. if greater element found then assigne output array[top] = a[i];</a:t>
+            </a:r>
+            <a:endParaRPr lang="en-US">
+              <a:solidFill>
+                <a:schemeClr val="tx1"/>
+              </a:solidFill>
+              <a:effectLst>
+                <a:outerShdw blurRad="38100" dist="19050" dir="2700000" algn="tl" rotWithShape="0">
+                  <a:schemeClr val="dk1">
+                    <a:alpha val="40000"/>
+                  </a:schemeClr>
+                </a:outerShdw>
+              </a:effectLst>
+            </a:endParaRPr>
+          </a:p>
+          <a:p>
+            <a:r>
+              <a:rPr lang="en-US">
+                <a:solidFill>
+                  <a:schemeClr val="tx1"/>
+                </a:solidFill>
+                <a:effectLst>
+                  <a:outerShdw blurRad="38100" dist="19050" dir="2700000" algn="tl" rotWithShape="0">
+                    <a:schemeClr val="dk1">
+                      <a:alpha val="40000"/>
+                    </a:schemeClr>
+                  </a:outerShdw>
+                </a:effectLst>
+              </a:rPr>
+              <a:t>pop top.</a:t>
+            </a:r>
             <a:endParaRPr lang="en-US">
               <a:solidFill>
                 <a:schemeClr val="tx1"/>
@@ -25068,8 +25310,8 @@
         </p:nvSpPr>
         <p:spPr>
           <a:xfrm>
-            <a:off x="6986905" y="2355850"/>
-            <a:ext cx="4359910" cy="922020"/>
+            <a:off x="6986905" y="2791460"/>
+            <a:ext cx="4359910" cy="7293610"/>
           </a:xfrm>
           <a:prstGeom prst="rect">
             <a:avLst/>
@@ -25096,6 +25338,298 @@
             </a:endParaRPr>
           </a:p>
           <a:p>
+            <a:r>
+              <a:rPr lang="en-US">
+                <a:solidFill>
+                  <a:schemeClr val="tx1"/>
+                </a:solidFill>
+              </a:rPr>
+              <a:t>//for ist one</a:t>
+            </a:r>
+            <a:endParaRPr lang="en-US">
+              <a:solidFill>
+                <a:schemeClr val="tx1"/>
+              </a:solidFill>
+            </a:endParaRPr>
+          </a:p>
+          <a:p>
+            <a:r>
+              <a:rPr lang="en-US">
+                <a:solidFill>
+                  <a:schemeClr val="tx1"/>
+                </a:solidFill>
+              </a:rPr>
+              <a:t>https://leetcode.com/submissions/detail/419733306/</a:t>
+            </a:r>
+            <a:endParaRPr lang="en-US">
+              <a:solidFill>
+                <a:schemeClr val="tx1"/>
+              </a:solidFill>
+            </a:endParaRPr>
+          </a:p>
+          <a:p>
+            <a:endParaRPr lang="en-US">
+              <a:solidFill>
+                <a:schemeClr val="tx1"/>
+              </a:solidFill>
+            </a:endParaRPr>
+          </a:p>
+          <a:p>
+            <a:endParaRPr lang="en-US">
+              <a:solidFill>
+                <a:schemeClr val="tx1"/>
+              </a:solidFill>
+            </a:endParaRPr>
+          </a:p>
+          <a:p>
+            <a:r>
+              <a:rPr lang="en-US">
+                <a:solidFill>
+                  <a:schemeClr val="tx1"/>
+                </a:solidFill>
+              </a:rPr>
+              <a:t>//for second  (not my code)</a:t>
+            </a:r>
+            <a:endParaRPr lang="en-US">
+              <a:solidFill>
+                <a:schemeClr val="tx1"/>
+              </a:solidFill>
+            </a:endParaRPr>
+          </a:p>
+          <a:p>
+            <a:r>
+              <a:rPr lang="en-US">
+                <a:solidFill>
+                  <a:schemeClr val="tx1"/>
+                </a:solidFill>
+              </a:rPr>
+              <a:t>vector&lt;int&gt; nextGreaterElements(vector&lt;int&gt;&amp; nums) {</a:t>
+            </a:r>
+            <a:endParaRPr lang="en-US">
+              <a:solidFill>
+                <a:schemeClr val="tx1"/>
+              </a:solidFill>
+            </a:endParaRPr>
+          </a:p>
+          <a:p>
+            <a:r>
+              <a:rPr lang="en-US">
+                <a:solidFill>
+                  <a:schemeClr val="tx1"/>
+                </a:solidFill>
+              </a:rPr>
+              <a:t>      int n = nums.size();</a:t>
+            </a:r>
+            <a:endParaRPr lang="en-US">
+              <a:solidFill>
+                <a:schemeClr val="tx1"/>
+              </a:solidFill>
+            </a:endParaRPr>
+          </a:p>
+          <a:p>
+            <a:r>
+              <a:rPr lang="en-US">
+                <a:solidFill>
+                  <a:schemeClr val="tx1"/>
+                </a:solidFill>
+              </a:rPr>
+              <a:t>      vector &lt;int&gt; res(n, - 1);</a:t>
+            </a:r>
+            <a:endParaRPr lang="en-US">
+              <a:solidFill>
+                <a:schemeClr val="tx1"/>
+              </a:solidFill>
+            </a:endParaRPr>
+          </a:p>
+          <a:p>
+            <a:r>
+              <a:rPr lang="en-US">
+                <a:solidFill>
+                  <a:schemeClr val="tx1"/>
+                </a:solidFill>
+              </a:rPr>
+              <a:t>      stack &lt;int&gt; st;</a:t>
+            </a:r>
+            <a:endParaRPr lang="en-US">
+              <a:solidFill>
+                <a:schemeClr val="tx1"/>
+              </a:solidFill>
+            </a:endParaRPr>
+          </a:p>
+          <a:p>
+            <a:r>
+              <a:rPr lang="en-US">
+                <a:solidFill>
+                  <a:schemeClr val="tx1"/>
+                </a:solidFill>
+              </a:rPr>
+              <a:t>      for(int i = 0; i &lt; 2 * n; i++){</a:t>
+            </a:r>
+            <a:endParaRPr lang="en-US">
+              <a:solidFill>
+                <a:schemeClr val="tx1"/>
+              </a:solidFill>
+            </a:endParaRPr>
+          </a:p>
+          <a:p>
+            <a:r>
+              <a:rPr lang="en-US">
+                <a:solidFill>
+                  <a:schemeClr val="tx1"/>
+                </a:solidFill>
+              </a:rPr>
+              <a:t>         int idx = i % n;</a:t>
+            </a:r>
+            <a:endParaRPr lang="en-US">
+              <a:solidFill>
+                <a:schemeClr val="tx1"/>
+              </a:solidFill>
+            </a:endParaRPr>
+          </a:p>
+          <a:p>
+            <a:r>
+              <a:rPr lang="en-US">
+                <a:solidFill>
+                  <a:schemeClr val="tx1"/>
+                </a:solidFill>
+              </a:rPr>
+              <a:t>         int x = nums[idx];</a:t>
+            </a:r>
+            <a:endParaRPr lang="en-US">
+              <a:solidFill>
+                <a:schemeClr val="tx1"/>
+              </a:solidFill>
+            </a:endParaRPr>
+          </a:p>
+          <a:p>
+            <a:r>
+              <a:rPr lang="en-US">
+                <a:solidFill>
+                  <a:schemeClr val="tx1"/>
+                </a:solidFill>
+              </a:rPr>
+              <a:t>         while(!st.empty() &amp;&amp; nums[st.top()] &lt; x){</a:t>
+            </a:r>
+            <a:endParaRPr lang="en-US">
+              <a:solidFill>
+                <a:schemeClr val="tx1"/>
+              </a:solidFill>
+            </a:endParaRPr>
+          </a:p>
+          <a:p>
+            <a:r>
+              <a:rPr lang="en-US">
+                <a:solidFill>
+                  <a:schemeClr val="tx1"/>
+                </a:solidFill>
+              </a:rPr>
+              <a:t>            res[st.top()] = x;</a:t>
+            </a:r>
+            <a:endParaRPr lang="en-US">
+              <a:solidFill>
+                <a:schemeClr val="tx1"/>
+              </a:solidFill>
+            </a:endParaRPr>
+          </a:p>
+          <a:p>
+            <a:r>
+              <a:rPr lang="en-US">
+                <a:solidFill>
+                  <a:schemeClr val="tx1"/>
+                </a:solidFill>
+              </a:rPr>
+              <a:t>            st.pop();</a:t>
+            </a:r>
+            <a:endParaRPr lang="en-US">
+              <a:solidFill>
+                <a:schemeClr val="tx1"/>
+              </a:solidFill>
+            </a:endParaRPr>
+          </a:p>
+          <a:p>
+            <a:r>
+              <a:rPr lang="en-US">
+                <a:solidFill>
+                  <a:schemeClr val="tx1"/>
+                </a:solidFill>
+              </a:rPr>
+              <a:t>         }</a:t>
+            </a:r>
+            <a:endParaRPr lang="en-US">
+              <a:solidFill>
+                <a:schemeClr val="tx1"/>
+              </a:solidFill>
+            </a:endParaRPr>
+          </a:p>
+          <a:p>
+            <a:r>
+              <a:rPr lang="en-US">
+                <a:solidFill>
+                  <a:schemeClr val="tx1"/>
+                </a:solidFill>
+              </a:rPr>
+              <a:t>         st.push(idx);</a:t>
+            </a:r>
+            <a:endParaRPr lang="en-US">
+              <a:solidFill>
+                <a:schemeClr val="tx1"/>
+              </a:solidFill>
+            </a:endParaRPr>
+          </a:p>
+          <a:p>
+            <a:r>
+              <a:rPr lang="en-US">
+                <a:solidFill>
+                  <a:schemeClr val="tx1"/>
+                </a:solidFill>
+              </a:rPr>
+              <a:t>      }</a:t>
+            </a:r>
+            <a:endParaRPr lang="en-US">
+              <a:solidFill>
+                <a:schemeClr val="tx1"/>
+              </a:solidFill>
+            </a:endParaRPr>
+          </a:p>
+          <a:p>
+            <a:r>
+              <a:rPr lang="en-US">
+                <a:solidFill>
+                  <a:schemeClr val="tx1"/>
+                </a:solidFill>
+              </a:rPr>
+              <a:t>      return res;</a:t>
+            </a:r>
+            <a:endParaRPr lang="en-US">
+              <a:solidFill>
+                <a:schemeClr val="tx1"/>
+              </a:solidFill>
+            </a:endParaRPr>
+          </a:p>
+          <a:p>
+            <a:r>
+              <a:rPr lang="en-US">
+                <a:solidFill>
+                  <a:schemeClr val="tx1"/>
+                </a:solidFill>
+              </a:rPr>
+              <a:t>   }</a:t>
+            </a:r>
+            <a:endParaRPr lang="en-US">
+              <a:solidFill>
+                <a:schemeClr val="tx1"/>
+              </a:solidFill>
+            </a:endParaRPr>
+          </a:p>
+          <a:p>
+            <a:r>
+              <a:rPr lang="en-US">
+                <a:solidFill>
+                  <a:schemeClr val="tx1"/>
+                </a:solidFill>
+              </a:rPr>
+              <a:t>};</a:t>
+            </a:r>
             <a:endParaRPr lang="en-US">
               <a:solidFill>
                 <a:schemeClr val="tx1"/>
@@ -25127,8 +25661,8 @@
         </p:nvSpPr>
         <p:spPr>
           <a:xfrm>
-            <a:off x="633095" y="5483225"/>
-            <a:ext cx="4803775" cy="645160"/>
+            <a:off x="633095" y="5256530"/>
+            <a:ext cx="4803775" cy="1476375"/>
           </a:xfrm>
           <a:prstGeom prst="rect">
             <a:avLst/>
@@ -25151,10 +25685,38 @@
             <a:endParaRPr lang="en-US"/>
           </a:p>
           <a:p>
+            <a:r>
+              <a:rPr lang="en-US"/>
+              <a:t>If a problem requires you, to trace back in some way, stack can be used. Eg. if you keep pushing i in stack while traversing ... at i+1 stack will contain i. Pop and push based on required algo. </a:t>
+            </a:r>
             <a:endParaRPr lang="en-US"/>
           </a:p>
         </p:txBody>
       </p:sp>
+      <p:pic>
+        <p:nvPicPr>
+          <p:cNvPr id="3" name="Picture 2"/>
+          <p:cNvPicPr>
+            <a:picLocks noChangeAspect="1"/>
+          </p:cNvPicPr>
+          <p:nvPr/>
+        </p:nvPicPr>
+        <p:blipFill>
+          <a:blip r:embed="rId1"/>
+          <a:stretch>
+            <a:fillRect/>
+          </a:stretch>
+        </p:blipFill>
+        <p:spPr>
+          <a:xfrm>
+            <a:off x="633095" y="1480185"/>
+            <a:ext cx="5025390" cy="3503295"/>
+          </a:xfrm>
+          <a:prstGeom prst="rect">
+            <a:avLst/>
+          </a:prstGeom>
+        </p:spPr>
+      </p:pic>
     </p:spTree>
   </p:cSld>
   <p:clrMapOvr>
@@ -25774,7 +26336,7 @@
         <p:spPr>
           <a:xfrm>
             <a:off x="6832600" y="327660"/>
-            <a:ext cx="5000625" cy="645160"/>
+            <a:ext cx="5000625" cy="922020"/>
           </a:xfrm>
           <a:prstGeom prst="rect">
             <a:avLst/>
@@ -25819,6 +26381,21 @@
             </a:endParaRPr>
           </a:p>
           <a:p>
+            <a:r>
+              <a:rPr lang="en-US">
+                <a:solidFill>
+                  <a:schemeClr val="tx1"/>
+                </a:solidFill>
+                <a:effectLst>
+                  <a:outerShdw blurRad="38100" dist="19050" dir="2700000" algn="tl" rotWithShape="0">
+                    <a:schemeClr val="dk1">
+                      <a:alpha val="40000"/>
+                    </a:schemeClr>
+                  </a:outerShdw>
+                </a:effectLst>
+              </a:rPr>
+              <a:t>Apply learning from last question, use stack to edit the same string and not construct by brute force.</a:t>
+            </a:r>
             <a:endParaRPr lang="en-US">
               <a:solidFill>
                 <a:schemeClr val="tx1"/>
@@ -25872,7 +26449,7 @@
         <p:spPr>
           <a:xfrm>
             <a:off x="6986905" y="2355850"/>
-            <a:ext cx="4359910" cy="922020"/>
+            <a:ext cx="4359910" cy="7293610"/>
           </a:xfrm>
           <a:prstGeom prst="rect">
             <a:avLst/>
@@ -25899,6 +26476,344 @@
             </a:endParaRPr>
           </a:p>
           <a:p>
+            <a:r>
+              <a:rPr lang="en-US">
+                <a:solidFill>
+                  <a:schemeClr val="tx1"/>
+                </a:solidFill>
+              </a:rPr>
+              <a:t>class Solution {</a:t>
+            </a:r>
+            <a:endParaRPr lang="en-US">
+              <a:solidFill>
+                <a:schemeClr val="tx1"/>
+              </a:solidFill>
+            </a:endParaRPr>
+          </a:p>
+          <a:p>
+            <a:r>
+              <a:rPr lang="en-US">
+                <a:solidFill>
+                  <a:schemeClr val="tx1"/>
+                </a:solidFill>
+              </a:rPr>
+              <a:t>public:</a:t>
+            </a:r>
+            <a:endParaRPr lang="en-US">
+              <a:solidFill>
+                <a:schemeClr val="tx1"/>
+              </a:solidFill>
+            </a:endParaRPr>
+          </a:p>
+          <a:p>
+            <a:r>
+              <a:rPr lang="en-US">
+                <a:solidFill>
+                  <a:schemeClr val="tx1"/>
+                </a:solidFill>
+              </a:rPr>
+              <a:t>    string makeGood(string se) {</a:t>
+            </a:r>
+            <a:endParaRPr lang="en-US">
+              <a:solidFill>
+                <a:schemeClr val="tx1"/>
+              </a:solidFill>
+            </a:endParaRPr>
+          </a:p>
+          <a:p>
+            <a:r>
+              <a:rPr lang="en-US">
+                <a:solidFill>
+                  <a:schemeClr val="tx1"/>
+                </a:solidFill>
+              </a:rPr>
+              <a:t>        stack&lt;char&gt; s;</a:t>
+            </a:r>
+            <a:endParaRPr lang="en-US">
+              <a:solidFill>
+                <a:schemeClr val="tx1"/>
+              </a:solidFill>
+            </a:endParaRPr>
+          </a:p>
+          <a:p>
+            <a:r>
+              <a:rPr lang="en-US">
+                <a:solidFill>
+                  <a:schemeClr val="tx1"/>
+                </a:solidFill>
+              </a:rPr>
+              <a:t>        </a:t>
+            </a:r>
+            <a:endParaRPr lang="en-US">
+              <a:solidFill>
+                <a:schemeClr val="tx1"/>
+              </a:solidFill>
+            </a:endParaRPr>
+          </a:p>
+          <a:p>
+            <a:r>
+              <a:rPr lang="en-US">
+                <a:solidFill>
+                  <a:schemeClr val="tx1"/>
+                </a:solidFill>
+              </a:rPr>
+              <a:t>        for(int i=0;i&lt;se.size();i++){</a:t>
+            </a:r>
+            <a:endParaRPr lang="en-US">
+              <a:solidFill>
+                <a:schemeClr val="tx1"/>
+              </a:solidFill>
+            </a:endParaRPr>
+          </a:p>
+          <a:p>
+            <a:r>
+              <a:rPr lang="en-US">
+                <a:solidFill>
+                  <a:schemeClr val="tx1"/>
+                </a:solidFill>
+              </a:rPr>
+              <a:t>            if(!s.empty() &amp;&amp; (abs((int)s.top() - (int)se[i]) == 32)){</a:t>
+            </a:r>
+            <a:endParaRPr lang="en-US">
+              <a:solidFill>
+                <a:schemeClr val="tx1"/>
+              </a:solidFill>
+            </a:endParaRPr>
+          </a:p>
+          <a:p>
+            <a:r>
+              <a:rPr lang="en-US">
+                <a:solidFill>
+                  <a:schemeClr val="tx1"/>
+                </a:solidFill>
+              </a:rPr>
+              <a:t>                s.pop();</a:t>
+            </a:r>
+            <a:endParaRPr lang="en-US">
+              <a:solidFill>
+                <a:schemeClr val="tx1"/>
+              </a:solidFill>
+            </a:endParaRPr>
+          </a:p>
+          <a:p>
+            <a:r>
+              <a:rPr lang="en-US">
+                <a:solidFill>
+                  <a:schemeClr val="tx1"/>
+                </a:solidFill>
+              </a:rPr>
+              <a:t>            }</a:t>
+            </a:r>
+            <a:endParaRPr lang="en-US">
+              <a:solidFill>
+                <a:schemeClr val="tx1"/>
+              </a:solidFill>
+            </a:endParaRPr>
+          </a:p>
+          <a:p>
+            <a:r>
+              <a:rPr lang="en-US">
+                <a:solidFill>
+                  <a:schemeClr val="tx1"/>
+                </a:solidFill>
+              </a:rPr>
+              <a:t>            else{</a:t>
+            </a:r>
+            <a:endParaRPr lang="en-US">
+              <a:solidFill>
+                <a:schemeClr val="tx1"/>
+              </a:solidFill>
+            </a:endParaRPr>
+          </a:p>
+          <a:p>
+            <a:r>
+              <a:rPr lang="en-US">
+                <a:solidFill>
+                  <a:schemeClr val="tx1"/>
+                </a:solidFill>
+              </a:rPr>
+              <a:t>                s.push(se[i]);</a:t>
+            </a:r>
+            <a:endParaRPr lang="en-US">
+              <a:solidFill>
+                <a:schemeClr val="tx1"/>
+              </a:solidFill>
+            </a:endParaRPr>
+          </a:p>
+          <a:p>
+            <a:r>
+              <a:rPr lang="en-US">
+                <a:solidFill>
+                  <a:schemeClr val="tx1"/>
+                </a:solidFill>
+              </a:rPr>
+              <a:t>            }</a:t>
+            </a:r>
+            <a:endParaRPr lang="en-US">
+              <a:solidFill>
+                <a:schemeClr val="tx1"/>
+              </a:solidFill>
+            </a:endParaRPr>
+          </a:p>
+          <a:p>
+            <a:r>
+              <a:rPr lang="en-US">
+                <a:solidFill>
+                  <a:schemeClr val="tx1"/>
+                </a:solidFill>
+              </a:rPr>
+              <a:t>        }</a:t>
+            </a:r>
+            <a:endParaRPr lang="en-US">
+              <a:solidFill>
+                <a:schemeClr val="tx1"/>
+              </a:solidFill>
+            </a:endParaRPr>
+          </a:p>
+          <a:p>
+            <a:r>
+              <a:rPr lang="en-US">
+                <a:solidFill>
+                  <a:schemeClr val="tx1"/>
+                </a:solidFill>
+              </a:rPr>
+              <a:t>        se = "";</a:t>
+            </a:r>
+            <a:endParaRPr lang="en-US">
+              <a:solidFill>
+                <a:schemeClr val="tx1"/>
+              </a:solidFill>
+            </a:endParaRPr>
+          </a:p>
+          <a:p>
+            <a:r>
+              <a:rPr lang="en-US">
+                <a:solidFill>
+                  <a:schemeClr val="tx1"/>
+                </a:solidFill>
+              </a:rPr>
+              <a:t>        while(!s.empty()){</a:t>
+            </a:r>
+            <a:endParaRPr lang="en-US">
+              <a:solidFill>
+                <a:schemeClr val="tx1"/>
+              </a:solidFill>
+            </a:endParaRPr>
+          </a:p>
+          <a:p>
+            <a:r>
+              <a:rPr lang="en-US">
+                <a:solidFill>
+                  <a:schemeClr val="tx1"/>
+                </a:solidFill>
+              </a:rPr>
+              <a:t>            se += s.top();</a:t>
+            </a:r>
+            <a:endParaRPr lang="en-US">
+              <a:solidFill>
+                <a:schemeClr val="tx1"/>
+              </a:solidFill>
+            </a:endParaRPr>
+          </a:p>
+          <a:p>
+            <a:r>
+              <a:rPr lang="en-US">
+                <a:solidFill>
+                  <a:schemeClr val="tx1"/>
+                </a:solidFill>
+              </a:rPr>
+              <a:t>            s.pop();   </a:t>
+            </a:r>
+            <a:endParaRPr lang="en-US">
+              <a:solidFill>
+                <a:schemeClr val="tx1"/>
+              </a:solidFill>
+            </a:endParaRPr>
+          </a:p>
+          <a:p>
+            <a:r>
+              <a:rPr lang="en-US">
+                <a:solidFill>
+                  <a:schemeClr val="tx1"/>
+                </a:solidFill>
+              </a:rPr>
+              <a:t>        }</a:t>
+            </a:r>
+            <a:endParaRPr lang="en-US">
+              <a:solidFill>
+                <a:schemeClr val="tx1"/>
+              </a:solidFill>
+            </a:endParaRPr>
+          </a:p>
+          <a:p>
+            <a:r>
+              <a:rPr lang="en-US">
+                <a:solidFill>
+                  <a:schemeClr val="tx1"/>
+                </a:solidFill>
+              </a:rPr>
+              <a:t>        </a:t>
+            </a:r>
+            <a:endParaRPr lang="en-US">
+              <a:solidFill>
+                <a:schemeClr val="tx1"/>
+              </a:solidFill>
+            </a:endParaRPr>
+          </a:p>
+          <a:p>
+            <a:r>
+              <a:rPr lang="en-US">
+                <a:solidFill>
+                  <a:schemeClr val="tx1"/>
+                </a:solidFill>
+              </a:rPr>
+              <a:t>        reverse(se.begin(),se.end());</a:t>
+            </a:r>
+            <a:endParaRPr lang="en-US">
+              <a:solidFill>
+                <a:schemeClr val="tx1"/>
+              </a:solidFill>
+            </a:endParaRPr>
+          </a:p>
+          <a:p>
+            <a:r>
+              <a:rPr lang="en-US">
+                <a:solidFill>
+                  <a:schemeClr val="tx1"/>
+                </a:solidFill>
+              </a:rPr>
+              <a:t>        return se;</a:t>
+            </a:r>
+            <a:endParaRPr lang="en-US">
+              <a:solidFill>
+                <a:schemeClr val="tx1"/>
+              </a:solidFill>
+            </a:endParaRPr>
+          </a:p>
+          <a:p>
+            <a:r>
+              <a:rPr lang="en-US">
+                <a:solidFill>
+                  <a:schemeClr val="tx1"/>
+                </a:solidFill>
+              </a:rPr>
+              <a:t>    }</a:t>
+            </a:r>
+            <a:endParaRPr lang="en-US">
+              <a:solidFill>
+                <a:schemeClr val="tx1"/>
+              </a:solidFill>
+            </a:endParaRPr>
+          </a:p>
+          <a:p>
+            <a:r>
+              <a:rPr lang="en-US">
+                <a:solidFill>
+                  <a:schemeClr val="tx1"/>
+                </a:solidFill>
+              </a:rPr>
+              <a:t>};</a:t>
+            </a:r>
             <a:endParaRPr lang="en-US">
               <a:solidFill>
                 <a:schemeClr val="tx1"/>
@@ -25958,6 +26873,54 @@
           </a:p>
         </p:txBody>
       </p:sp>
+      <p:pic>
+        <p:nvPicPr>
+          <p:cNvPr id="3" name="Picture 2"/>
+          <p:cNvPicPr>
+            <a:picLocks noChangeAspect="1"/>
+          </p:cNvPicPr>
+          <p:nvPr/>
+        </p:nvPicPr>
+        <p:blipFill>
+          <a:blip r:embed="rId1"/>
+          <a:stretch>
+            <a:fillRect/>
+          </a:stretch>
+        </p:blipFill>
+        <p:spPr>
+          <a:xfrm>
+            <a:off x="368300" y="1356995"/>
+            <a:ext cx="5676265" cy="2496185"/>
+          </a:xfrm>
+          <a:prstGeom prst="rect">
+            <a:avLst/>
+          </a:prstGeom>
+        </p:spPr>
+      </p:pic>
+      <p:pic>
+        <p:nvPicPr>
+          <p:cNvPr id="7" name="Picture 6"/>
+          <p:cNvPicPr>
+            <a:picLocks noChangeAspect="1"/>
+          </p:cNvPicPr>
+          <p:nvPr/>
+        </p:nvPicPr>
+        <p:blipFill>
+          <a:blip r:embed="rId2"/>
+          <a:stretch>
+            <a:fillRect/>
+          </a:stretch>
+        </p:blipFill>
+        <p:spPr>
+          <a:xfrm>
+            <a:off x="368300" y="3949700"/>
+            <a:ext cx="5810250" cy="1533525"/>
+          </a:xfrm>
+          <a:prstGeom prst="rect">
+            <a:avLst/>
+          </a:prstGeom>
+        </p:spPr>
+      </p:pic>
     </p:spTree>
   </p:cSld>
   <p:clrMapOvr>
@@ -26047,7 +27010,7 @@
         <p:spPr>
           <a:xfrm>
             <a:off x="6832600" y="327660"/>
-            <a:ext cx="5000625" cy="645160"/>
+            <a:ext cx="5000625" cy="922020"/>
           </a:xfrm>
           <a:prstGeom prst="rect">
             <a:avLst/>
@@ -26092,6 +27055,21 @@
             </a:endParaRPr>
           </a:p>
           <a:p>
+            <a:r>
+              <a:rPr lang="en-US">
+                <a:solidFill>
+                  <a:schemeClr val="tx1"/>
+                </a:solidFill>
+                <a:effectLst>
+                  <a:outerShdw blurRad="38100" dist="19050" dir="2700000" algn="tl" rotWithShape="0">
+                    <a:schemeClr val="dk1">
+                      <a:alpha val="40000"/>
+                    </a:schemeClr>
+                  </a:outerShdw>
+                </a:effectLst>
+              </a:rPr>
+              <a:t>recursive solution to get all sum and return max divisilbe by 3.</a:t>
+            </a:r>
             <a:endParaRPr lang="en-US">
               <a:solidFill>
                 <a:schemeClr val="tx1"/>
@@ -26145,7 +27123,7 @@
         <p:spPr>
           <a:xfrm>
             <a:off x="6986905" y="2355850"/>
-            <a:ext cx="4359910" cy="922020"/>
+            <a:ext cx="4359910" cy="6739255"/>
           </a:xfrm>
           <a:prstGeom prst="rect">
             <a:avLst/>
@@ -26172,6 +27150,306 @@
             </a:endParaRPr>
           </a:p>
           <a:p>
+            <a:r>
+              <a:rPr lang="en-US">
+                <a:solidFill>
+                  <a:schemeClr val="tx1"/>
+                </a:solidFill>
+              </a:rPr>
+              <a:t>class Solution {</a:t>
+            </a:r>
+            <a:endParaRPr lang="en-US">
+              <a:solidFill>
+                <a:schemeClr val="tx1"/>
+              </a:solidFill>
+            </a:endParaRPr>
+          </a:p>
+          <a:p>
+            <a:r>
+              <a:rPr lang="en-US">
+                <a:solidFill>
+                  <a:schemeClr val="tx1"/>
+                </a:solidFill>
+              </a:rPr>
+              <a:t>    </a:t>
+            </a:r>
+            <a:endParaRPr lang="en-US">
+              <a:solidFill>
+                <a:schemeClr val="tx1"/>
+              </a:solidFill>
+            </a:endParaRPr>
+          </a:p>
+          <a:p>
+            <a:r>
+              <a:rPr lang="en-US">
+                <a:solidFill>
+                  <a:schemeClr val="tx1"/>
+                </a:solidFill>
+              </a:rPr>
+              <a:t>    void recur(vector&lt;int&gt; nums,int sum,int i,int &amp;m){</a:t>
+            </a:r>
+            <a:endParaRPr lang="en-US">
+              <a:solidFill>
+                <a:schemeClr val="tx1"/>
+              </a:solidFill>
+            </a:endParaRPr>
+          </a:p>
+          <a:p>
+            <a:r>
+              <a:rPr lang="en-US">
+                <a:solidFill>
+                  <a:schemeClr val="tx1"/>
+                </a:solidFill>
+              </a:rPr>
+              <a:t>        if(i == nums.size()){</a:t>
+            </a:r>
+            <a:endParaRPr lang="en-US">
+              <a:solidFill>
+                <a:schemeClr val="tx1"/>
+              </a:solidFill>
+            </a:endParaRPr>
+          </a:p>
+          <a:p>
+            <a:r>
+              <a:rPr lang="en-US">
+                <a:solidFill>
+                  <a:schemeClr val="tx1"/>
+                </a:solidFill>
+              </a:rPr>
+              <a:t>            if( sum%3 == 0 &amp;&amp; m&lt; sum){</a:t>
+            </a:r>
+            <a:endParaRPr lang="en-US">
+              <a:solidFill>
+                <a:schemeClr val="tx1"/>
+              </a:solidFill>
+            </a:endParaRPr>
+          </a:p>
+          <a:p>
+            <a:r>
+              <a:rPr lang="en-US">
+                <a:solidFill>
+                  <a:schemeClr val="tx1"/>
+                </a:solidFill>
+              </a:rPr>
+              <a:t>                m = sum;</a:t>
+            </a:r>
+            <a:endParaRPr lang="en-US">
+              <a:solidFill>
+                <a:schemeClr val="tx1"/>
+              </a:solidFill>
+            </a:endParaRPr>
+          </a:p>
+          <a:p>
+            <a:r>
+              <a:rPr lang="en-US">
+                <a:solidFill>
+                  <a:schemeClr val="tx1"/>
+                </a:solidFill>
+              </a:rPr>
+              <a:t>            }</a:t>
+            </a:r>
+            <a:endParaRPr lang="en-US">
+              <a:solidFill>
+                <a:schemeClr val="tx1"/>
+              </a:solidFill>
+            </a:endParaRPr>
+          </a:p>
+          <a:p>
+            <a:r>
+              <a:rPr lang="en-US">
+                <a:solidFill>
+                  <a:schemeClr val="tx1"/>
+                </a:solidFill>
+              </a:rPr>
+              <a:t>            return;</a:t>
+            </a:r>
+            <a:endParaRPr lang="en-US">
+              <a:solidFill>
+                <a:schemeClr val="tx1"/>
+              </a:solidFill>
+            </a:endParaRPr>
+          </a:p>
+          <a:p>
+            <a:r>
+              <a:rPr lang="en-US">
+                <a:solidFill>
+                  <a:schemeClr val="tx1"/>
+                </a:solidFill>
+              </a:rPr>
+              <a:t>        }</a:t>
+            </a:r>
+            <a:endParaRPr lang="en-US">
+              <a:solidFill>
+                <a:schemeClr val="tx1"/>
+              </a:solidFill>
+            </a:endParaRPr>
+          </a:p>
+          <a:p>
+            <a:r>
+              <a:rPr lang="en-US">
+                <a:solidFill>
+                  <a:schemeClr val="tx1"/>
+                </a:solidFill>
+              </a:rPr>
+              <a:t>        </a:t>
+            </a:r>
+            <a:endParaRPr lang="en-US">
+              <a:solidFill>
+                <a:schemeClr val="tx1"/>
+              </a:solidFill>
+            </a:endParaRPr>
+          </a:p>
+          <a:p>
+            <a:r>
+              <a:rPr lang="en-US">
+                <a:solidFill>
+                  <a:schemeClr val="tx1"/>
+                </a:solidFill>
+              </a:rPr>
+              <a:t>        recur(nums,sum,i+1,m);</a:t>
+            </a:r>
+            <a:endParaRPr lang="en-US">
+              <a:solidFill>
+                <a:schemeClr val="tx1"/>
+              </a:solidFill>
+            </a:endParaRPr>
+          </a:p>
+          <a:p>
+            <a:r>
+              <a:rPr lang="en-US">
+                <a:solidFill>
+                  <a:schemeClr val="tx1"/>
+                </a:solidFill>
+              </a:rPr>
+              <a:t>        recur(nums,sum+nums[i],i+1,m);</a:t>
+            </a:r>
+            <a:endParaRPr lang="en-US">
+              <a:solidFill>
+                <a:schemeClr val="tx1"/>
+              </a:solidFill>
+            </a:endParaRPr>
+          </a:p>
+          <a:p>
+            <a:r>
+              <a:rPr lang="en-US">
+                <a:solidFill>
+                  <a:schemeClr val="tx1"/>
+                </a:solidFill>
+              </a:rPr>
+              <a:t>    }</a:t>
+            </a:r>
+            <a:endParaRPr lang="en-US">
+              <a:solidFill>
+                <a:schemeClr val="tx1"/>
+              </a:solidFill>
+            </a:endParaRPr>
+          </a:p>
+          <a:p>
+            <a:r>
+              <a:rPr lang="en-US">
+                <a:solidFill>
+                  <a:schemeClr val="tx1"/>
+                </a:solidFill>
+              </a:rPr>
+              <a:t>public:</a:t>
+            </a:r>
+            <a:endParaRPr lang="en-US">
+              <a:solidFill>
+                <a:schemeClr val="tx1"/>
+              </a:solidFill>
+            </a:endParaRPr>
+          </a:p>
+          <a:p>
+            <a:r>
+              <a:rPr lang="en-US">
+                <a:solidFill>
+                  <a:schemeClr val="tx1"/>
+                </a:solidFill>
+              </a:rPr>
+              <a:t>    int maxSumDivThree(vector&lt;int&gt;&amp; nums) {</a:t>
+            </a:r>
+            <a:endParaRPr lang="en-US">
+              <a:solidFill>
+                <a:schemeClr val="tx1"/>
+              </a:solidFill>
+            </a:endParaRPr>
+          </a:p>
+          <a:p>
+            <a:r>
+              <a:rPr lang="en-US">
+                <a:solidFill>
+                  <a:schemeClr val="tx1"/>
+                </a:solidFill>
+              </a:rPr>
+              <a:t>        int m = 0;</a:t>
+            </a:r>
+            <a:endParaRPr lang="en-US">
+              <a:solidFill>
+                <a:schemeClr val="tx1"/>
+              </a:solidFill>
+            </a:endParaRPr>
+          </a:p>
+          <a:p>
+            <a:r>
+              <a:rPr lang="en-US">
+                <a:solidFill>
+                  <a:schemeClr val="tx1"/>
+                </a:solidFill>
+              </a:rPr>
+              <a:t>        recur(nums,0,0,m);</a:t>
+            </a:r>
+            <a:endParaRPr lang="en-US">
+              <a:solidFill>
+                <a:schemeClr val="tx1"/>
+              </a:solidFill>
+            </a:endParaRPr>
+          </a:p>
+          <a:p>
+            <a:r>
+              <a:rPr lang="en-US">
+                <a:solidFill>
+                  <a:schemeClr val="tx1"/>
+                </a:solidFill>
+              </a:rPr>
+              <a:t>        return m;</a:t>
+            </a:r>
+            <a:endParaRPr lang="en-US">
+              <a:solidFill>
+                <a:schemeClr val="tx1"/>
+              </a:solidFill>
+            </a:endParaRPr>
+          </a:p>
+          <a:p>
+            <a:endParaRPr lang="en-US">
+              <a:solidFill>
+                <a:schemeClr val="tx1"/>
+              </a:solidFill>
+            </a:endParaRPr>
+          </a:p>
+          <a:p>
+            <a:r>
+              <a:rPr lang="en-US">
+                <a:solidFill>
+                  <a:schemeClr val="tx1"/>
+                </a:solidFill>
+              </a:rPr>
+              <a:t>    }</a:t>
+            </a:r>
+            <a:endParaRPr lang="en-US">
+              <a:solidFill>
+                <a:schemeClr val="tx1"/>
+              </a:solidFill>
+            </a:endParaRPr>
+          </a:p>
+          <a:p>
+            <a:r>
+              <a:rPr lang="en-US">
+                <a:solidFill>
+                  <a:schemeClr val="tx1"/>
+                </a:solidFill>
+              </a:rPr>
+              <a:t>};</a:t>
+            </a:r>
             <a:endParaRPr lang="en-US">
               <a:solidFill>
                 <a:schemeClr val="tx1"/>
@@ -26227,10 +27505,62 @@
             <a:endParaRPr lang="en-US"/>
           </a:p>
           <a:p>
-            <a:endParaRPr lang="en-US"/>
+            <a:r>
+              <a:rPr lang="en-US">
+                <a:ln>
+                  <a:solidFill>
+                    <a:srgbClr val="FF0000"/>
+                  </a:solidFill>
+                </a:ln>
+                <a:solidFill>
+                  <a:schemeClr val="accent4">
+                    <a:lumMod val="60000"/>
+                    <a:lumOff val="40000"/>
+                  </a:schemeClr>
+                </a:solidFill>
+              </a:rPr>
+              <a:t>Time limit exceeded. O(2^n)</a:t>
+            </a:r>
+            <a:endParaRPr lang="en-US">
+              <a:ln>
+                <a:solidFill>
+                  <a:srgbClr val="FF0000"/>
+                </a:solidFill>
+              </a:ln>
+              <a:solidFill>
+                <a:schemeClr val="accent4">
+                  <a:lumMod val="60000"/>
+                  <a:lumOff val="40000"/>
+                </a:schemeClr>
+              </a:solidFill>
+            </a:endParaRPr>
           </a:p>
         </p:txBody>
       </p:sp>
+      <p:pic>
+        <p:nvPicPr>
+          <p:cNvPr id="3" name="Picture 2"/>
+          <p:cNvPicPr>
+            <a:picLocks noChangeAspect="1"/>
+          </p:cNvPicPr>
+          <p:nvPr/>
+        </p:nvPicPr>
+        <p:blipFill>
+          <a:blip r:embed="rId1"/>
+          <a:stretch>
+            <a:fillRect/>
+          </a:stretch>
+        </p:blipFill>
+        <p:spPr>
+          <a:xfrm>
+            <a:off x="494665" y="1356995"/>
+            <a:ext cx="5734050" cy="3286125"/>
+          </a:xfrm>
+          <a:prstGeom prst="rect">
+            <a:avLst/>
+          </a:prstGeom>
+        </p:spPr>
+      </p:pic>
     </p:spTree>
   </p:cSld>
   <p:clrMapOvr>
